--- a/Documentação/Proto_Persona.pptx
+++ b/Documentação/Proto_Persona.pptx
@@ -6,7 +6,6 @@
   </p:sldMasterIdLst>
   <p:sldIdLst>
     <p:sldId id="257" r:id="rId5"/>
-    <p:sldId id="256" r:id="rId6"/>
   </p:sldIdLst>
   <p:sldSz cx="12192000" cy="6858000"/>
   <p:notesSz cx="6858000" cy="9144000"/>
@@ -268,7 +267,7 @@
           <a:p>
             <a:fld id="{8BDC9E61-DD03-4D73-8674-BB03B7D1ACFC}" type="datetimeFigureOut">
               <a:rPr lang="pt-BR" smtClean="0"/>
-              <a:t>12/03/2020</a:t>
+              <a:t>01/05/2020</a:t>
             </a:fld>
             <a:endParaRPr lang="pt-BR"/>
           </a:p>
@@ -322,7 +321,7 @@
           <a:p>
             <a:fld id="{1BBCA414-F1B1-42EA-82DB-A02EE1784579}" type="slidenum">
               <a:rPr lang="pt-BR" smtClean="0"/>
-              <a:t>‹#›</a:t>
+              <a:t>‹nº›</a:t>
             </a:fld>
             <a:endParaRPr lang="pt-BR"/>
           </a:p>
@@ -466,7 +465,7 @@
           <a:p>
             <a:fld id="{8BDC9E61-DD03-4D73-8674-BB03B7D1ACFC}" type="datetimeFigureOut">
               <a:rPr lang="pt-BR" smtClean="0"/>
-              <a:t>12/03/2020</a:t>
+              <a:t>01/05/2020</a:t>
             </a:fld>
             <a:endParaRPr lang="pt-BR"/>
           </a:p>
@@ -520,7 +519,7 @@
           <a:p>
             <a:fld id="{1BBCA414-F1B1-42EA-82DB-A02EE1784579}" type="slidenum">
               <a:rPr lang="pt-BR" smtClean="0"/>
-              <a:t>‹#›</a:t>
+              <a:t>‹nº›</a:t>
             </a:fld>
             <a:endParaRPr lang="pt-BR"/>
           </a:p>
@@ -674,7 +673,7 @@
           <a:p>
             <a:fld id="{8BDC9E61-DD03-4D73-8674-BB03B7D1ACFC}" type="datetimeFigureOut">
               <a:rPr lang="pt-BR" smtClean="0"/>
-              <a:t>12/03/2020</a:t>
+              <a:t>01/05/2020</a:t>
             </a:fld>
             <a:endParaRPr lang="pt-BR"/>
           </a:p>
@@ -728,7 +727,7 @@
           <a:p>
             <a:fld id="{1BBCA414-F1B1-42EA-82DB-A02EE1784579}" type="slidenum">
               <a:rPr lang="pt-BR" smtClean="0"/>
-              <a:t>‹#›</a:t>
+              <a:t>‹nº›</a:t>
             </a:fld>
             <a:endParaRPr lang="pt-BR"/>
           </a:p>
@@ -872,7 +871,7 @@
           <a:p>
             <a:fld id="{8BDC9E61-DD03-4D73-8674-BB03B7D1ACFC}" type="datetimeFigureOut">
               <a:rPr lang="pt-BR" smtClean="0"/>
-              <a:t>12/03/2020</a:t>
+              <a:t>01/05/2020</a:t>
             </a:fld>
             <a:endParaRPr lang="pt-BR"/>
           </a:p>
@@ -926,7 +925,7 @@
           <a:p>
             <a:fld id="{1BBCA414-F1B1-42EA-82DB-A02EE1784579}" type="slidenum">
               <a:rPr lang="pt-BR" smtClean="0"/>
-              <a:t>‹#›</a:t>
+              <a:t>‹nº›</a:t>
             </a:fld>
             <a:endParaRPr lang="pt-BR"/>
           </a:p>
@@ -1147,7 +1146,7 @@
           <a:p>
             <a:fld id="{8BDC9E61-DD03-4D73-8674-BB03B7D1ACFC}" type="datetimeFigureOut">
               <a:rPr lang="pt-BR" smtClean="0"/>
-              <a:t>12/03/2020</a:t>
+              <a:t>01/05/2020</a:t>
             </a:fld>
             <a:endParaRPr lang="pt-BR"/>
           </a:p>
@@ -1201,7 +1200,7 @@
           <a:p>
             <a:fld id="{1BBCA414-F1B1-42EA-82DB-A02EE1784579}" type="slidenum">
               <a:rPr lang="pt-BR" smtClean="0"/>
-              <a:t>‹#›</a:t>
+              <a:t>‹nº›</a:t>
             </a:fld>
             <a:endParaRPr lang="pt-BR"/>
           </a:p>
@@ -1412,7 +1411,7 @@
           <a:p>
             <a:fld id="{8BDC9E61-DD03-4D73-8674-BB03B7D1ACFC}" type="datetimeFigureOut">
               <a:rPr lang="pt-BR" smtClean="0"/>
-              <a:t>12/03/2020</a:t>
+              <a:t>01/05/2020</a:t>
             </a:fld>
             <a:endParaRPr lang="pt-BR"/>
           </a:p>
@@ -1466,7 +1465,7 @@
           <a:p>
             <a:fld id="{1BBCA414-F1B1-42EA-82DB-A02EE1784579}" type="slidenum">
               <a:rPr lang="pt-BR" smtClean="0"/>
-              <a:t>‹#›</a:t>
+              <a:t>‹nº›</a:t>
             </a:fld>
             <a:endParaRPr lang="pt-BR"/>
           </a:p>
@@ -1824,7 +1823,7 @@
           <a:p>
             <a:fld id="{8BDC9E61-DD03-4D73-8674-BB03B7D1ACFC}" type="datetimeFigureOut">
               <a:rPr lang="pt-BR" smtClean="0"/>
-              <a:t>12/03/2020</a:t>
+              <a:t>01/05/2020</a:t>
             </a:fld>
             <a:endParaRPr lang="pt-BR"/>
           </a:p>
@@ -1878,7 +1877,7 @@
           <a:p>
             <a:fld id="{1BBCA414-F1B1-42EA-82DB-A02EE1784579}" type="slidenum">
               <a:rPr lang="pt-BR" smtClean="0"/>
-              <a:t>‹#›</a:t>
+              <a:t>‹nº›</a:t>
             </a:fld>
             <a:endParaRPr lang="pt-BR"/>
           </a:p>
@@ -1965,7 +1964,7 @@
           <a:p>
             <a:fld id="{8BDC9E61-DD03-4D73-8674-BB03B7D1ACFC}" type="datetimeFigureOut">
               <a:rPr lang="pt-BR" smtClean="0"/>
-              <a:t>12/03/2020</a:t>
+              <a:t>01/05/2020</a:t>
             </a:fld>
             <a:endParaRPr lang="pt-BR"/>
           </a:p>
@@ -2019,7 +2018,7 @@
           <a:p>
             <a:fld id="{1BBCA414-F1B1-42EA-82DB-A02EE1784579}" type="slidenum">
               <a:rPr lang="pt-BR" smtClean="0"/>
-              <a:t>‹#›</a:t>
+              <a:t>‹nº›</a:t>
             </a:fld>
             <a:endParaRPr lang="pt-BR"/>
           </a:p>
@@ -2078,7 +2077,7 @@
           <a:p>
             <a:fld id="{8BDC9E61-DD03-4D73-8674-BB03B7D1ACFC}" type="datetimeFigureOut">
               <a:rPr lang="pt-BR" smtClean="0"/>
-              <a:t>12/03/2020</a:t>
+              <a:t>01/05/2020</a:t>
             </a:fld>
             <a:endParaRPr lang="pt-BR"/>
           </a:p>
@@ -2132,7 +2131,7 @@
           <a:p>
             <a:fld id="{1BBCA414-F1B1-42EA-82DB-A02EE1784579}" type="slidenum">
               <a:rPr lang="pt-BR" smtClean="0"/>
-              <a:t>‹#›</a:t>
+              <a:t>‹nº›</a:t>
             </a:fld>
             <a:endParaRPr lang="pt-BR"/>
           </a:p>
@@ -2389,7 +2388,7 @@
           <a:p>
             <a:fld id="{8BDC9E61-DD03-4D73-8674-BB03B7D1ACFC}" type="datetimeFigureOut">
               <a:rPr lang="pt-BR" smtClean="0"/>
-              <a:t>12/03/2020</a:t>
+              <a:t>01/05/2020</a:t>
             </a:fld>
             <a:endParaRPr lang="pt-BR"/>
           </a:p>
@@ -2443,7 +2442,7 @@
           <a:p>
             <a:fld id="{1BBCA414-F1B1-42EA-82DB-A02EE1784579}" type="slidenum">
               <a:rPr lang="pt-BR" smtClean="0"/>
-              <a:t>‹#›</a:t>
+              <a:t>‹nº›</a:t>
             </a:fld>
             <a:endParaRPr lang="pt-BR"/>
           </a:p>
@@ -2677,7 +2676,7 @@
           <a:p>
             <a:fld id="{8BDC9E61-DD03-4D73-8674-BB03B7D1ACFC}" type="datetimeFigureOut">
               <a:rPr lang="pt-BR" smtClean="0"/>
-              <a:t>12/03/2020</a:t>
+              <a:t>01/05/2020</a:t>
             </a:fld>
             <a:endParaRPr lang="pt-BR"/>
           </a:p>
@@ -2731,7 +2730,7 @@
           <a:p>
             <a:fld id="{1BBCA414-F1B1-42EA-82DB-A02EE1784579}" type="slidenum">
               <a:rPr lang="pt-BR" smtClean="0"/>
-              <a:t>‹#›</a:t>
+              <a:t>‹nº›</a:t>
             </a:fld>
             <a:endParaRPr lang="pt-BR"/>
           </a:p>
@@ -2918,7 +2917,7 @@
           <a:p>
             <a:fld id="{8BDC9E61-DD03-4D73-8674-BB03B7D1ACFC}" type="datetimeFigureOut">
               <a:rPr lang="pt-BR" smtClean="0"/>
-              <a:t>12/03/2020</a:t>
+              <a:t>01/05/2020</a:t>
             </a:fld>
             <a:endParaRPr lang="pt-BR"/>
           </a:p>
@@ -3008,7 +3007,7 @@
           <a:p>
             <a:fld id="{1BBCA414-F1B1-42EA-82DB-A02EE1784579}" type="slidenum">
               <a:rPr lang="pt-BR" smtClean="0"/>
-              <a:t>‹#›</a:t>
+              <a:t>‹nº›</a:t>
             </a:fld>
             <a:endParaRPr lang="pt-BR"/>
           </a:p>
@@ -4218,906 +4217,6 @@
 </p:sld>
 </file>
 
-<file path=ppt/slides/slide2.xml><?xml version="1.0" encoding="utf-8"?>
-<p:sld xmlns:a="http://schemas.openxmlformats.org/drawingml/2006/main" xmlns:r="http://schemas.openxmlformats.org/officeDocument/2006/relationships" xmlns:p="http://schemas.openxmlformats.org/presentationml/2006/main">
-  <p:cSld>
-    <p:spTree>
-      <p:nvGrpSpPr>
-        <p:cNvPr id="1" name=""/>
-        <p:cNvGrpSpPr/>
-        <p:nvPr/>
-      </p:nvGrpSpPr>
-      <p:grpSpPr>
-        <a:xfrm>
-          <a:off x="0" y="0"/>
-          <a:ext cx="0" cy="0"/>
-          <a:chOff x="0" y="0"/>
-          <a:chExt cx="0" cy="0"/>
-        </a:xfrm>
-      </p:grpSpPr>
-      <p:sp>
-        <p:nvSpPr>
-          <p:cNvPr id="7" name="CaixaDeTexto 6">
-            <a:extLst>
-              <a:ext uri="{FF2B5EF4-FFF2-40B4-BE49-F238E27FC236}">
-                <a16:creationId xmlns:a16="http://schemas.microsoft.com/office/drawing/2014/main" id="{957EEE83-6858-43AA-AF72-33D305174DAA}"/>
-              </a:ext>
-            </a:extLst>
-          </p:cNvPr>
-          <p:cNvSpPr txBox="1"/>
-          <p:nvPr/>
-        </p:nvSpPr>
-        <p:spPr>
-          <a:xfrm>
-            <a:off x="3483870" y="72526"/>
-            <a:ext cx="4093698" cy="923330"/>
-          </a:xfrm>
-          <a:prstGeom prst="rect">
-            <a:avLst/>
-          </a:prstGeom>
-          <a:noFill/>
-        </p:spPr>
-        <p:txBody>
-          <a:bodyPr wrap="square" rtlCol="0">
-            <a:spAutoFit/>
-          </a:bodyPr>
-          <a:lstStyle/>
-          <a:p>
-            <a:r>
-              <a:rPr lang="pt-BR" sz="5400" dirty="0">
-                <a:solidFill>
-                  <a:srgbClr val="FF0000"/>
-                </a:solidFill>
-              </a:rPr>
-              <a:t>Luís Novaes</a:t>
-            </a:r>
-          </a:p>
-        </p:txBody>
-      </p:sp>
-      <p:sp>
-        <p:nvSpPr>
-          <p:cNvPr id="8" name="Retângulo 7">
-            <a:extLst>
-              <a:ext uri="{FF2B5EF4-FFF2-40B4-BE49-F238E27FC236}">
-                <a16:creationId xmlns:a16="http://schemas.microsoft.com/office/drawing/2014/main" id="{FCADA61A-A507-46EA-BFB5-D3E01E5CE7F9}"/>
-              </a:ext>
-            </a:extLst>
-          </p:cNvPr>
-          <p:cNvSpPr/>
-          <p:nvPr/>
-        </p:nvSpPr>
-        <p:spPr>
-          <a:xfrm>
-            <a:off x="-38683" y="3775679"/>
-            <a:ext cx="3241883" cy="3082321"/>
-          </a:xfrm>
-          <a:prstGeom prst="rect">
-            <a:avLst/>
-          </a:prstGeom>
-          <a:solidFill>
-            <a:srgbClr val="FF0000"/>
-          </a:solidFill>
-          <a:ln>
-            <a:solidFill>
-              <a:srgbClr val="FF0000"/>
-            </a:solidFill>
-          </a:ln>
-        </p:spPr>
-        <p:style>
-          <a:lnRef idx="2">
-            <a:schemeClr val="accent1">
-              <a:shade val="50000"/>
-            </a:schemeClr>
-          </a:lnRef>
-          <a:fillRef idx="1">
-            <a:schemeClr val="accent1"/>
-          </a:fillRef>
-          <a:effectRef idx="0">
-            <a:schemeClr val="accent1"/>
-          </a:effectRef>
-          <a:fontRef idx="minor">
-            <a:schemeClr val="lt1"/>
-          </a:fontRef>
-        </p:style>
-        <p:txBody>
-          <a:bodyPr rtlCol="0" anchor="ctr"/>
-          <a:lstStyle/>
-          <a:p>
-            <a:pPr algn="ctr"/>
-            <a:endParaRPr lang="pt-BR"/>
-          </a:p>
-        </p:txBody>
-      </p:sp>
-      <p:cxnSp>
-        <p:nvCxnSpPr>
-          <p:cNvPr id="10" name="Conector reto 9">
-            <a:extLst>
-              <a:ext uri="{FF2B5EF4-FFF2-40B4-BE49-F238E27FC236}">
-                <a16:creationId xmlns:a16="http://schemas.microsoft.com/office/drawing/2014/main" id="{9070D845-9E46-4E0C-940F-D17B1BF4FD3D}"/>
-              </a:ext>
-            </a:extLst>
-          </p:cNvPr>
-          <p:cNvCxnSpPr/>
-          <p:nvPr/>
-        </p:nvCxnSpPr>
-        <p:spPr>
-          <a:xfrm>
-            <a:off x="6096000" y="1449496"/>
-            <a:ext cx="3445565" cy="0"/>
-          </a:xfrm>
-          <a:prstGeom prst="line">
-            <a:avLst/>
-          </a:prstGeom>
-        </p:spPr>
-        <p:style>
-          <a:lnRef idx="3">
-            <a:schemeClr val="accent1"/>
-          </a:lnRef>
-          <a:fillRef idx="0">
-            <a:schemeClr val="accent1"/>
-          </a:fillRef>
-          <a:effectRef idx="2">
-            <a:schemeClr val="accent1"/>
-          </a:effectRef>
-          <a:fontRef idx="minor">
-            <a:schemeClr val="tx1"/>
-          </a:fontRef>
-        </p:style>
-      </p:cxnSp>
-      <p:sp>
-        <p:nvSpPr>
-          <p:cNvPr id="11" name="CaixaDeTexto 10">
-            <a:extLst>
-              <a:ext uri="{FF2B5EF4-FFF2-40B4-BE49-F238E27FC236}">
-                <a16:creationId xmlns:a16="http://schemas.microsoft.com/office/drawing/2014/main" id="{64CC1FB5-B2BD-4A95-85AB-327861E0D2B9}"/>
-              </a:ext>
-            </a:extLst>
-          </p:cNvPr>
-          <p:cNvSpPr txBox="1"/>
-          <p:nvPr/>
-        </p:nvSpPr>
-        <p:spPr>
-          <a:xfrm>
-            <a:off x="6487268" y="866904"/>
-            <a:ext cx="4093698" cy="461665"/>
-          </a:xfrm>
-          <a:prstGeom prst="rect">
-            <a:avLst/>
-          </a:prstGeom>
-          <a:noFill/>
-        </p:spPr>
-        <p:txBody>
-          <a:bodyPr wrap="square" rtlCol="0">
-            <a:spAutoFit/>
-          </a:bodyPr>
-          <a:lstStyle/>
-          <a:p>
-            <a:r>
-              <a:rPr lang="pt-BR" sz="2400" dirty="0">
-                <a:solidFill>
-                  <a:srgbClr val="FF0000"/>
-                </a:solidFill>
-              </a:rPr>
-              <a:t>Trabalhador</a:t>
-            </a:r>
-          </a:p>
-        </p:txBody>
-      </p:sp>
-      <p:sp>
-        <p:nvSpPr>
-          <p:cNvPr id="12" name="CaixaDeTexto 11">
-            <a:extLst>
-              <a:ext uri="{FF2B5EF4-FFF2-40B4-BE49-F238E27FC236}">
-                <a16:creationId xmlns:a16="http://schemas.microsoft.com/office/drawing/2014/main" id="{B012B2DA-3924-4A8E-9E42-9334C7D83762}"/>
-              </a:ext>
-            </a:extLst>
-          </p:cNvPr>
-          <p:cNvSpPr txBox="1"/>
-          <p:nvPr/>
-        </p:nvSpPr>
-        <p:spPr>
-          <a:xfrm>
-            <a:off x="20006" y="4109796"/>
-            <a:ext cx="3271044" cy="1754326"/>
-          </a:xfrm>
-          <a:prstGeom prst="rect">
-            <a:avLst/>
-          </a:prstGeom>
-          <a:noFill/>
-        </p:spPr>
-        <p:txBody>
-          <a:bodyPr wrap="square" rtlCol="0">
-            <a:spAutoFit/>
-          </a:bodyPr>
-          <a:lstStyle/>
-          <a:p>
-            <a:pPr algn="ctr"/>
-            <a:r>
-              <a:rPr lang="pt-BR" b="1" dirty="0">
-                <a:solidFill>
-                  <a:schemeClr val="bg1"/>
-                </a:solidFill>
-              </a:rPr>
-              <a:t>Depoimento</a:t>
-            </a:r>
-          </a:p>
-          <a:p>
-            <a:r>
-              <a:rPr lang="pt-BR" dirty="0">
-                <a:solidFill>
-                  <a:schemeClr val="bg1"/>
-                </a:solidFill>
-              </a:rPr>
-              <a:t>         Utilizo o transporte público porque facilita meu acesso á empresa, e depois do </a:t>
-            </a:r>
-            <a:r>
-              <a:rPr lang="pt-BR" dirty="0" err="1">
-                <a:solidFill>
-                  <a:schemeClr val="bg1"/>
-                </a:solidFill>
-              </a:rPr>
-              <a:t>Happy</a:t>
-            </a:r>
-            <a:r>
-              <a:rPr lang="pt-BR" dirty="0">
-                <a:solidFill>
-                  <a:schemeClr val="bg1"/>
-                </a:solidFill>
-              </a:rPr>
-              <a:t> Hour utilizo para voltar com segurança.</a:t>
-            </a:r>
-          </a:p>
-        </p:txBody>
-      </p:sp>
-      <p:pic>
-        <p:nvPicPr>
-          <p:cNvPr id="20" name="Gráfico 19" descr="Aspas de abertura">
-            <a:extLst>
-              <a:ext uri="{FF2B5EF4-FFF2-40B4-BE49-F238E27FC236}">
-                <a16:creationId xmlns:a16="http://schemas.microsoft.com/office/drawing/2014/main" id="{233DB6F0-C781-405B-BBA7-E427551F20CF}"/>
-              </a:ext>
-            </a:extLst>
-          </p:cNvPr>
-          <p:cNvPicPr>
-            <a:picLocks noChangeAspect="1"/>
-          </p:cNvPicPr>
-          <p:nvPr/>
-        </p:nvPicPr>
-        <p:blipFill>
-          <a:blip r:embed="rId2">
-            <a:extLst>
-              <a:ext uri="{28A0092B-C50C-407E-A947-70E740481C1C}">
-                <a14:useLocalDpi xmlns:a14="http://schemas.microsoft.com/office/drawing/2010/main" val="0"/>
-              </a:ext>
-              <a:ext uri="{96DAC541-7B7A-43D3-8B79-37D633B846F1}">
-                <asvg:svgBlip xmlns:asvg="http://schemas.microsoft.com/office/drawing/2016/SVG/main" r:embed="rId3"/>
-              </a:ext>
-            </a:extLst>
-          </a:blip>
-          <a:stretch>
-            <a:fillRect/>
-          </a:stretch>
-        </p:blipFill>
-        <p:spPr>
-          <a:xfrm>
-            <a:off x="23193" y="4213781"/>
-            <a:ext cx="543339" cy="591104"/>
-          </a:xfrm>
-          <a:prstGeom prst="rect">
-            <a:avLst/>
-          </a:prstGeom>
-        </p:spPr>
-      </p:pic>
-      <p:pic>
-        <p:nvPicPr>
-          <p:cNvPr id="22" name="Gráfico 21" descr="Aspas de fechamento">
-            <a:extLst>
-              <a:ext uri="{FF2B5EF4-FFF2-40B4-BE49-F238E27FC236}">
-                <a16:creationId xmlns:a16="http://schemas.microsoft.com/office/drawing/2014/main" id="{A9493F65-A823-4B63-A2B3-1B06DEDF26F1}"/>
-              </a:ext>
-            </a:extLst>
-          </p:cNvPr>
-          <p:cNvPicPr>
-            <a:picLocks noChangeAspect="1"/>
-          </p:cNvPicPr>
-          <p:nvPr/>
-        </p:nvPicPr>
-        <p:blipFill>
-          <a:blip r:embed="rId4">
-            <a:extLst>
-              <a:ext uri="{28A0092B-C50C-407E-A947-70E740481C1C}">
-                <a14:useLocalDpi xmlns:a14="http://schemas.microsoft.com/office/drawing/2010/main" val="0"/>
-              </a:ext>
-              <a:ext uri="{96DAC541-7B7A-43D3-8B79-37D633B846F1}">
-                <asvg:svgBlip xmlns:asvg="http://schemas.microsoft.com/office/drawing/2016/SVG/main" r:embed="rId5"/>
-              </a:ext>
-            </a:extLst>
-          </a:blip>
-          <a:stretch>
-            <a:fillRect/>
-          </a:stretch>
-        </p:blipFill>
-        <p:spPr>
-          <a:xfrm>
-            <a:off x="1154870" y="5543606"/>
-            <a:ext cx="516665" cy="504381"/>
-          </a:xfrm>
-          <a:prstGeom prst="rect">
-            <a:avLst/>
-          </a:prstGeom>
-        </p:spPr>
-      </p:pic>
-      <p:sp>
-        <p:nvSpPr>
-          <p:cNvPr id="24" name="Retângulo 23">
-            <a:extLst>
-              <a:ext uri="{FF2B5EF4-FFF2-40B4-BE49-F238E27FC236}">
-                <a16:creationId xmlns:a16="http://schemas.microsoft.com/office/drawing/2014/main" id="{F0F941E7-BE2C-4054-BFE9-E52C2353A1C9}"/>
-              </a:ext>
-            </a:extLst>
-          </p:cNvPr>
-          <p:cNvSpPr/>
-          <p:nvPr/>
-        </p:nvSpPr>
-        <p:spPr>
-          <a:xfrm>
-            <a:off x="3214494" y="1683025"/>
-            <a:ext cx="8977505" cy="5102448"/>
-          </a:xfrm>
-          <a:prstGeom prst="rect">
-            <a:avLst/>
-          </a:prstGeom>
-          <a:solidFill>
-            <a:schemeClr val="bg1">
-              <a:lumMod val="95000"/>
-            </a:schemeClr>
-          </a:solidFill>
-          <a:ln>
-            <a:solidFill>
-              <a:schemeClr val="bg1">
-                <a:lumMod val="95000"/>
-              </a:schemeClr>
-            </a:solidFill>
-          </a:ln>
-        </p:spPr>
-        <p:style>
-          <a:lnRef idx="2">
-            <a:schemeClr val="accent1">
-              <a:shade val="50000"/>
-            </a:schemeClr>
-          </a:lnRef>
-          <a:fillRef idx="1">
-            <a:schemeClr val="accent1"/>
-          </a:fillRef>
-          <a:effectRef idx="0">
-            <a:schemeClr val="accent1"/>
-          </a:effectRef>
-          <a:fontRef idx="minor">
-            <a:schemeClr val="lt1"/>
-          </a:fontRef>
-        </p:style>
-        <p:txBody>
-          <a:bodyPr rtlCol="0" anchor="ctr"/>
-          <a:lstStyle/>
-          <a:p>
-            <a:pPr algn="ctr"/>
-            <a:endParaRPr lang="pt-BR" dirty="0"/>
-          </a:p>
-        </p:txBody>
-      </p:sp>
-      <p:sp>
-        <p:nvSpPr>
-          <p:cNvPr id="25" name="CaixaDeTexto 24">
-            <a:extLst>
-              <a:ext uri="{FF2B5EF4-FFF2-40B4-BE49-F238E27FC236}">
-                <a16:creationId xmlns:a16="http://schemas.microsoft.com/office/drawing/2014/main" id="{85D03D48-ED3D-4F59-9110-0542796A16C1}"/>
-              </a:ext>
-            </a:extLst>
-          </p:cNvPr>
-          <p:cNvSpPr txBox="1"/>
-          <p:nvPr/>
-        </p:nvSpPr>
-        <p:spPr>
-          <a:xfrm>
-            <a:off x="4055166" y="1948459"/>
-            <a:ext cx="1616765" cy="646331"/>
-          </a:xfrm>
-          <a:prstGeom prst="rect">
-            <a:avLst/>
-          </a:prstGeom>
-          <a:noFill/>
-        </p:spPr>
-        <p:txBody>
-          <a:bodyPr wrap="square" rtlCol="0">
-            <a:spAutoFit/>
-          </a:bodyPr>
-          <a:lstStyle/>
-          <a:p>
-            <a:pPr algn="ctr"/>
-            <a:r>
-              <a:rPr lang="pt-BR" sz="3600" dirty="0">
-                <a:solidFill>
-                  <a:schemeClr val="accent1">
-                    <a:lumMod val="75000"/>
-                  </a:schemeClr>
-                </a:solidFill>
-              </a:rPr>
-              <a:t>Perfil</a:t>
-            </a:r>
-            <a:endParaRPr lang="pt-BR" sz="4000" dirty="0">
-              <a:solidFill>
-                <a:schemeClr val="accent1">
-                  <a:lumMod val="75000"/>
-                </a:schemeClr>
-              </a:solidFill>
-            </a:endParaRPr>
-          </a:p>
-        </p:txBody>
-      </p:sp>
-      <p:sp>
-        <p:nvSpPr>
-          <p:cNvPr id="26" name="CaixaDeTexto 25">
-            <a:extLst>
-              <a:ext uri="{FF2B5EF4-FFF2-40B4-BE49-F238E27FC236}">
-                <a16:creationId xmlns:a16="http://schemas.microsoft.com/office/drawing/2014/main" id="{2E79F024-1EA0-4A37-9C09-C099E8C030C6}"/>
-              </a:ext>
-            </a:extLst>
-          </p:cNvPr>
-          <p:cNvSpPr txBox="1"/>
-          <p:nvPr/>
-        </p:nvSpPr>
-        <p:spPr>
-          <a:xfrm>
-            <a:off x="3657600" y="2809460"/>
-            <a:ext cx="3305908" cy="2862322"/>
-          </a:xfrm>
-          <a:prstGeom prst="rect">
-            <a:avLst/>
-          </a:prstGeom>
-          <a:noFill/>
-        </p:spPr>
-        <p:txBody>
-          <a:bodyPr wrap="square" rtlCol="0">
-            <a:spAutoFit/>
-          </a:bodyPr>
-          <a:lstStyle/>
-          <a:p>
-            <a:pPr marL="285750" indent="-285750">
-              <a:buFont typeface="Arial" panose="020B0604020202020204" pitchFamily="34" charset="0"/>
-              <a:buChar char="•"/>
-            </a:pPr>
-            <a:r>
-              <a:rPr lang="pt-BR" dirty="0">
-                <a:solidFill>
-                  <a:schemeClr val="accent1">
-                    <a:lumMod val="75000"/>
-                  </a:schemeClr>
-                </a:solidFill>
-              </a:rPr>
-              <a:t>26 anos.</a:t>
-            </a:r>
-          </a:p>
-          <a:p>
-            <a:pPr marL="285750" indent="-285750">
-              <a:buFont typeface="Arial" panose="020B0604020202020204" pitchFamily="34" charset="0"/>
-              <a:buChar char="•"/>
-            </a:pPr>
-            <a:r>
-              <a:rPr lang="pt-BR" dirty="0">
-                <a:solidFill>
-                  <a:schemeClr val="accent1">
-                    <a:lumMod val="75000"/>
-                  </a:schemeClr>
-                </a:solidFill>
-              </a:rPr>
-              <a:t>Trabalhador.</a:t>
-            </a:r>
-          </a:p>
-          <a:p>
-            <a:pPr marL="285750" indent="-285750">
-              <a:buFont typeface="Arial" panose="020B0604020202020204" pitchFamily="34" charset="0"/>
-              <a:buChar char="•"/>
-            </a:pPr>
-            <a:r>
-              <a:rPr lang="pt-BR" dirty="0">
-                <a:solidFill>
-                  <a:schemeClr val="accent1">
-                    <a:lumMod val="75000"/>
-                  </a:schemeClr>
-                </a:solidFill>
-              </a:rPr>
-              <a:t>Possui uma rotina intensa.</a:t>
-            </a:r>
-          </a:p>
-          <a:p>
-            <a:pPr marL="285750" indent="-285750">
-              <a:buFont typeface="Arial" panose="020B0604020202020204" pitchFamily="34" charset="0"/>
-              <a:buChar char="•"/>
-            </a:pPr>
-            <a:r>
-              <a:rPr lang="pt-BR" dirty="0">
-                <a:solidFill>
-                  <a:schemeClr val="accent1">
-                    <a:lumMod val="75000"/>
-                  </a:schemeClr>
-                </a:solidFill>
-              </a:rPr>
-              <a:t>Usuário diário do metrô.</a:t>
-            </a:r>
-          </a:p>
-          <a:p>
-            <a:pPr marL="285750" indent="-285750">
-              <a:buFont typeface="Arial" panose="020B0604020202020204" pitchFamily="34" charset="0"/>
-              <a:buChar char="•"/>
-            </a:pPr>
-            <a:r>
-              <a:rPr lang="pt-BR" dirty="0">
-                <a:solidFill>
-                  <a:schemeClr val="accent1">
-                    <a:lumMod val="75000"/>
-                  </a:schemeClr>
-                </a:solidFill>
-              </a:rPr>
-              <a:t>Prefere andar com seu cartão de débito, ao sacar cédulas.</a:t>
-            </a:r>
-          </a:p>
-          <a:p>
-            <a:pPr marL="285750" indent="-285750">
-              <a:buFont typeface="Arial" panose="020B0604020202020204" pitchFamily="34" charset="0"/>
-              <a:buChar char="•"/>
-            </a:pPr>
-            <a:r>
-              <a:rPr lang="pt-BR" dirty="0">
-                <a:solidFill>
-                  <a:schemeClr val="accent1">
-                    <a:lumMod val="75000"/>
-                  </a:schemeClr>
-                </a:solidFill>
-              </a:rPr>
-              <a:t>Gosta de sair aos finais de semana, e para não se preocupar com a volta, prefere voltar de metrô.</a:t>
-            </a:r>
-          </a:p>
-        </p:txBody>
-      </p:sp>
-      <p:sp>
-        <p:nvSpPr>
-          <p:cNvPr id="27" name="CaixaDeTexto 26">
-            <a:extLst>
-              <a:ext uri="{FF2B5EF4-FFF2-40B4-BE49-F238E27FC236}">
-                <a16:creationId xmlns:a16="http://schemas.microsoft.com/office/drawing/2014/main" id="{05C7F1B5-0154-4F1C-B7BC-067445D769F5}"/>
-              </a:ext>
-            </a:extLst>
-          </p:cNvPr>
-          <p:cNvSpPr txBox="1"/>
-          <p:nvPr/>
-        </p:nvSpPr>
-        <p:spPr>
-          <a:xfrm>
-            <a:off x="8561412" y="1780307"/>
-            <a:ext cx="2822205" cy="1200329"/>
-          </a:xfrm>
-          <a:prstGeom prst="rect">
-            <a:avLst/>
-          </a:prstGeom>
-          <a:noFill/>
-        </p:spPr>
-        <p:txBody>
-          <a:bodyPr wrap="square" rtlCol="0">
-            <a:spAutoFit/>
-          </a:bodyPr>
-          <a:lstStyle/>
-          <a:p>
-            <a:pPr algn="ctr"/>
-            <a:r>
-              <a:rPr lang="pt-BR" sz="3600" dirty="0">
-                <a:solidFill>
-                  <a:schemeClr val="accent1">
-                    <a:lumMod val="75000"/>
-                  </a:schemeClr>
-                </a:solidFill>
-              </a:rPr>
-              <a:t>Dores e Necessidades</a:t>
-            </a:r>
-            <a:endParaRPr lang="pt-BR" sz="4000" dirty="0">
-              <a:solidFill>
-                <a:schemeClr val="accent1">
-                  <a:lumMod val="75000"/>
-                </a:schemeClr>
-              </a:solidFill>
-            </a:endParaRPr>
-          </a:p>
-        </p:txBody>
-      </p:sp>
-      <p:sp>
-        <p:nvSpPr>
-          <p:cNvPr id="28" name="CaixaDeTexto 27">
-            <a:extLst>
-              <a:ext uri="{FF2B5EF4-FFF2-40B4-BE49-F238E27FC236}">
-                <a16:creationId xmlns:a16="http://schemas.microsoft.com/office/drawing/2014/main" id="{B01D45EF-F9BF-4B1E-862F-3666488D572E}"/>
-              </a:ext>
-            </a:extLst>
-          </p:cNvPr>
-          <p:cNvSpPr txBox="1"/>
-          <p:nvPr/>
-        </p:nvSpPr>
-        <p:spPr>
-          <a:xfrm>
-            <a:off x="8319559" y="3015927"/>
-            <a:ext cx="3838313" cy="3139321"/>
-          </a:xfrm>
-          <a:prstGeom prst="rect">
-            <a:avLst/>
-          </a:prstGeom>
-          <a:noFill/>
-        </p:spPr>
-        <p:txBody>
-          <a:bodyPr wrap="square" rtlCol="0">
-            <a:spAutoFit/>
-          </a:bodyPr>
-          <a:lstStyle/>
-          <a:p>
-            <a:pPr marL="285750" indent="-285750">
-              <a:buFont typeface="Arial" panose="020B0604020202020204" pitchFamily="34" charset="0"/>
-              <a:buChar char="•"/>
-            </a:pPr>
-            <a:r>
-              <a:rPr lang="pt-BR" dirty="0">
-                <a:solidFill>
-                  <a:schemeClr val="accent1">
-                    <a:lumMod val="75000"/>
-                  </a:schemeClr>
-                </a:solidFill>
-              </a:rPr>
-              <a:t>Agilidade.</a:t>
-            </a:r>
-          </a:p>
-          <a:p>
-            <a:pPr marL="285750" indent="-285750">
-              <a:buFont typeface="Arial" panose="020B0604020202020204" pitchFamily="34" charset="0"/>
-              <a:buChar char="•"/>
-            </a:pPr>
-            <a:r>
-              <a:rPr lang="pt-BR" dirty="0">
-                <a:solidFill>
-                  <a:schemeClr val="accent1">
-                    <a:lumMod val="75000"/>
-                  </a:schemeClr>
-                </a:solidFill>
-              </a:rPr>
-              <a:t>Evitar filas desnecessárias.</a:t>
-            </a:r>
-          </a:p>
-          <a:p>
-            <a:pPr marL="285750" indent="-285750">
-              <a:buFont typeface="Arial" panose="020B0604020202020204" pitchFamily="34" charset="0"/>
-              <a:buChar char="•"/>
-            </a:pPr>
-            <a:r>
-              <a:rPr lang="pt-BR" dirty="0">
-                <a:solidFill>
-                  <a:schemeClr val="accent1">
-                    <a:lumMod val="75000"/>
-                  </a:schemeClr>
-                </a:solidFill>
-              </a:rPr>
-              <a:t>Evitar efetuar saques para recarregar seus bilhetes de transporte.</a:t>
-            </a:r>
-          </a:p>
-          <a:p>
-            <a:pPr marL="285750" indent="-285750">
-              <a:buFont typeface="Arial" panose="020B0604020202020204" pitchFamily="34" charset="0"/>
-              <a:buChar char="•"/>
-            </a:pPr>
-            <a:r>
-              <a:rPr lang="pt-BR" dirty="0">
-                <a:solidFill>
-                  <a:schemeClr val="accent1">
-                    <a:lumMod val="75000"/>
-                  </a:schemeClr>
-                </a:solidFill>
-              </a:rPr>
-              <a:t>Possibilidade de escolher a forma de pagamento.</a:t>
-            </a:r>
-          </a:p>
-          <a:p>
-            <a:pPr marL="285750" indent="-285750">
-              <a:buFont typeface="Arial" panose="020B0604020202020204" pitchFamily="34" charset="0"/>
-              <a:buChar char="•"/>
-            </a:pPr>
-            <a:r>
-              <a:rPr lang="pt-BR" dirty="0">
-                <a:solidFill>
-                  <a:schemeClr val="accent1">
-                    <a:lumMod val="75000"/>
-                  </a:schemeClr>
-                </a:solidFill>
-              </a:rPr>
-              <a:t>As filas imensas das bilheterias blindadas, só atrasam sua rotina.</a:t>
-            </a:r>
-          </a:p>
-          <a:p>
-            <a:pPr marL="285750" indent="-285750">
-              <a:buFont typeface="Arial" panose="020B0604020202020204" pitchFamily="34" charset="0"/>
-              <a:buChar char="•"/>
-            </a:pPr>
-            <a:r>
-              <a:rPr lang="pt-BR" dirty="0">
-                <a:solidFill>
-                  <a:schemeClr val="accent1">
-                    <a:lumMod val="75000"/>
-                  </a:schemeClr>
-                </a:solidFill>
-              </a:rPr>
-              <a:t>Incerteza dos totens estarem funcionando corretamente.</a:t>
-            </a:r>
-          </a:p>
-        </p:txBody>
-      </p:sp>
-      <p:cxnSp>
-        <p:nvCxnSpPr>
-          <p:cNvPr id="29" name="Conector reto 28">
-            <a:extLst>
-              <a:ext uri="{FF2B5EF4-FFF2-40B4-BE49-F238E27FC236}">
-                <a16:creationId xmlns:a16="http://schemas.microsoft.com/office/drawing/2014/main" id="{94766E14-3B96-47A3-8BFB-4A6205474623}"/>
-              </a:ext>
-            </a:extLst>
-          </p:cNvPr>
-          <p:cNvCxnSpPr>
-            <a:cxnSpLocks/>
-          </p:cNvCxnSpPr>
-          <p:nvPr/>
-        </p:nvCxnSpPr>
-        <p:spPr>
-          <a:xfrm>
-            <a:off x="7469078" y="2478159"/>
-            <a:ext cx="10933" cy="3274904"/>
-          </a:xfrm>
-          <a:prstGeom prst="line">
-            <a:avLst/>
-          </a:prstGeom>
-        </p:spPr>
-        <p:style>
-          <a:lnRef idx="3">
-            <a:schemeClr val="accent2"/>
-          </a:lnRef>
-          <a:fillRef idx="0">
-            <a:schemeClr val="accent2"/>
-          </a:fillRef>
-          <a:effectRef idx="2">
-            <a:schemeClr val="accent2"/>
-          </a:effectRef>
-          <a:fontRef idx="minor">
-            <a:schemeClr val="tx1"/>
-          </a:fontRef>
-        </p:style>
-      </p:cxnSp>
-      <p:pic>
-        <p:nvPicPr>
-          <p:cNvPr id="39" name="Imagem 38" descr="Homem com camisa azul&#10;&#10;Descrição gerada automaticamente">
-            <a:extLst>
-              <a:ext uri="{FF2B5EF4-FFF2-40B4-BE49-F238E27FC236}">
-                <a16:creationId xmlns:a16="http://schemas.microsoft.com/office/drawing/2014/main" id="{0BEECAD8-1E8B-42B0-99CD-398F09147455}"/>
-              </a:ext>
-            </a:extLst>
-          </p:cNvPr>
-          <p:cNvPicPr>
-            <a:picLocks noChangeAspect="1"/>
-          </p:cNvPicPr>
-          <p:nvPr/>
-        </p:nvPicPr>
-        <p:blipFill>
-          <a:blip r:embed="rId6">
-            <a:extLst>
-              <a:ext uri="{28A0092B-C50C-407E-A947-70E740481C1C}">
-                <a14:useLocalDpi xmlns:a14="http://schemas.microsoft.com/office/drawing/2010/main" val="0"/>
-              </a:ext>
-            </a:extLst>
-          </a:blip>
-          <a:stretch>
-            <a:fillRect/>
-          </a:stretch>
-        </p:blipFill>
-        <p:spPr>
-          <a:xfrm>
-            <a:off x="-27389" y="-11687"/>
-            <a:ext cx="3244236" cy="3800075"/>
-          </a:xfrm>
-          <a:prstGeom prst="rect">
-            <a:avLst/>
-          </a:prstGeom>
-        </p:spPr>
-      </p:pic>
-      <p:pic>
-        <p:nvPicPr>
-          <p:cNvPr id="41" name="Gráfico 40" descr="Marca de seleção">
-            <a:extLst>
-              <a:ext uri="{FF2B5EF4-FFF2-40B4-BE49-F238E27FC236}">
-                <a16:creationId xmlns:a16="http://schemas.microsoft.com/office/drawing/2014/main" id="{9C79B5D6-C536-4B89-A6C8-BBD5EAED8311}"/>
-              </a:ext>
-            </a:extLst>
-          </p:cNvPr>
-          <p:cNvPicPr>
-            <a:picLocks noChangeAspect="1"/>
-          </p:cNvPicPr>
-          <p:nvPr/>
-        </p:nvPicPr>
-        <p:blipFill>
-          <a:blip r:embed="rId7">
-            <a:extLst>
-              <a:ext uri="{28A0092B-C50C-407E-A947-70E740481C1C}">
-                <a14:useLocalDpi xmlns:a14="http://schemas.microsoft.com/office/drawing/2010/main" val="0"/>
-              </a:ext>
-              <a:ext uri="{96DAC541-7B7A-43D3-8B79-37D633B846F1}">
-                <asvg:svgBlip xmlns:asvg="http://schemas.microsoft.com/office/drawing/2016/SVG/main" r:embed="rId8"/>
-              </a:ext>
-            </a:extLst>
-          </a:blip>
-          <a:stretch>
-            <a:fillRect/>
-          </a:stretch>
-        </p:blipFill>
-        <p:spPr>
-          <a:xfrm>
-            <a:off x="5723004" y="1962888"/>
-            <a:ext cx="706236" cy="706236"/>
-          </a:xfrm>
-          <a:prstGeom prst="rect">
-            <a:avLst/>
-          </a:prstGeom>
-        </p:spPr>
-      </p:pic>
-      <p:pic>
-        <p:nvPicPr>
-          <p:cNvPr id="43" name="Gráfico 42" descr="Fechar">
-            <a:extLst>
-              <a:ext uri="{FF2B5EF4-FFF2-40B4-BE49-F238E27FC236}">
-                <a16:creationId xmlns:a16="http://schemas.microsoft.com/office/drawing/2014/main" id="{3DBE34CC-02F5-485B-96D5-5ACD0493C3E1}"/>
-              </a:ext>
-            </a:extLst>
-          </p:cNvPr>
-          <p:cNvPicPr>
-            <a:picLocks noChangeAspect="1"/>
-          </p:cNvPicPr>
-          <p:nvPr/>
-        </p:nvPicPr>
-        <p:blipFill>
-          <a:blip r:embed="rId9">
-            <a:extLst>
-              <a:ext uri="{28A0092B-C50C-407E-A947-70E740481C1C}">
-                <a14:useLocalDpi xmlns:a14="http://schemas.microsoft.com/office/drawing/2010/main" val="0"/>
-              </a:ext>
-              <a:ext uri="{96DAC541-7B7A-43D3-8B79-37D633B846F1}">
-                <asvg:svgBlip xmlns:asvg="http://schemas.microsoft.com/office/drawing/2016/SVG/main" r:embed="rId10"/>
-              </a:ext>
-            </a:extLst>
-          </a:blip>
-          <a:stretch>
-            <a:fillRect/>
-          </a:stretch>
-        </p:blipFill>
-        <p:spPr>
-          <a:xfrm>
-            <a:off x="11141536" y="1923271"/>
-            <a:ext cx="914400" cy="914400"/>
-          </a:xfrm>
-          <a:prstGeom prst="rect">
-            <a:avLst/>
-          </a:prstGeom>
-        </p:spPr>
-      </p:pic>
-    </p:spTree>
-    <p:extLst>
-      <p:ext uri="{BB962C8B-B14F-4D97-AF65-F5344CB8AC3E}">
-        <p14:creationId xmlns:p14="http://schemas.microsoft.com/office/powerpoint/2010/main" val="988454308"/>
-      </p:ext>
-    </p:extLst>
-  </p:cSld>
-  <p:clrMapOvr>
-    <a:masterClrMapping/>
-  </p:clrMapOvr>
-</p:sld>
-</file>
-
 <file path=ppt/theme/theme1.xml><?xml version="1.0" encoding="utf-8"?>
 <a:theme xmlns:a="http://schemas.openxmlformats.org/drawingml/2006/main" name="Tema do Office">
   <a:themeElements>
@@ -5414,9 +4513,12 @@
 </file>
 
 <file path=customXml/item1.xml><?xml version="1.0" encoding="utf-8"?>
-<p:properties xmlns:p="http://schemas.microsoft.com/office/2006/metadata/properties" xmlns:xsi="http://www.w3.org/2001/XMLSchema-instance" xmlns:pc="http://schemas.microsoft.com/office/infopath/2007/PartnerControls">
-  <documentManagement/>
-</p:properties>
+<?mso-contentType ?>
+<FormTemplates xmlns="http://schemas.microsoft.com/sharepoint/v3/contenttype/forms">
+  <Display>DocumentLibraryForm</Display>
+  <Edit>DocumentLibraryForm</Edit>
+  <New>DocumentLibraryForm</New>
+</FormTemplates>
 </file>
 
 <file path=customXml/item2.xml><?xml version="1.0" encoding="utf-8"?>
@@ -5578,19 +4680,15 @@
 </file>
 
 <file path=customXml/item3.xml><?xml version="1.0" encoding="utf-8"?>
-<?mso-contentType ?>
-<FormTemplates xmlns="http://schemas.microsoft.com/sharepoint/v3/contenttype/forms">
-  <Display>DocumentLibraryForm</Display>
-  <Edit>DocumentLibraryForm</Edit>
-  <New>DocumentLibraryForm</New>
-</FormTemplates>
+<p:properties xmlns:p="http://schemas.microsoft.com/office/2006/metadata/properties" xmlns:xsi="http://www.w3.org/2001/XMLSchema-instance" xmlns:pc="http://schemas.microsoft.com/office/infopath/2007/PartnerControls">
+  <documentManagement/>
+</p:properties>
 </file>
 
 <file path=customXml/itemProps1.xml><?xml version="1.0" encoding="utf-8"?>
-<ds:datastoreItem xmlns:ds="http://schemas.openxmlformats.org/officeDocument/2006/customXml" ds:itemID="{0E0C0A85-3013-4BD0-B67F-89C6C5C21230}">
+<ds:datastoreItem xmlns:ds="http://schemas.openxmlformats.org/officeDocument/2006/customXml" ds:itemID="{3DC03424-6231-4FE4-ACC4-B431A7AB0B92}">
   <ds:schemaRefs>
-    <ds:schemaRef ds:uri="http://schemas.microsoft.com/office/2006/metadata/properties"/>
-    <ds:schemaRef ds:uri="http://schemas.microsoft.com/office/infopath/2007/PartnerControls"/>
+    <ds:schemaRef ds:uri="http://schemas.microsoft.com/sharepoint/v3/contenttype/forms"/>
   </ds:schemaRefs>
 </ds:datastoreItem>
 </file>
@@ -5614,9 +4712,10 @@
 </file>
 
 <file path=customXml/itemProps3.xml><?xml version="1.0" encoding="utf-8"?>
-<ds:datastoreItem xmlns:ds="http://schemas.openxmlformats.org/officeDocument/2006/customXml" ds:itemID="{3DC03424-6231-4FE4-ACC4-B431A7AB0B92}">
+<ds:datastoreItem xmlns:ds="http://schemas.openxmlformats.org/officeDocument/2006/customXml" ds:itemID="{0E0C0A85-3013-4BD0-B67F-89C6C5C21230}">
   <ds:schemaRefs>
-    <ds:schemaRef ds:uri="http://schemas.microsoft.com/sharepoint/v3/contenttype/forms"/>
+    <ds:schemaRef ds:uri="http://schemas.microsoft.com/office/2006/metadata/properties"/>
+    <ds:schemaRef ds:uri="http://schemas.microsoft.com/office/infopath/2007/PartnerControls"/>
   </ds:schemaRefs>
 </ds:datastoreItem>
 </file>